--- a/typescript新手指南.pptx
+++ b/typescript新手指南.pptx
@@ -3885,7 +3885,11 @@
             </a:r>
             <a:r>
               <a:rPr lang="en-US" altLang="zh-TW" dirty="0" smtClean="0"/>
-              <a:t>, EX: array&lt;any&gt;</a:t>
+              <a:t>, EX: array&lt;any</a:t>
+            </a:r>
+            <a:r>
+              <a:rPr lang="en-US" altLang="zh-TW" dirty="0" smtClean="0"/>
+              <a:t>&gt;</a:t>
             </a:r>
           </a:p>
           <a:p>
@@ -3893,6 +3897,9 @@
               <a:buFont typeface="+mj-lt"/>
               <a:buAutoNum type="arabicPeriod"/>
             </a:pPr>
+            <a:endParaRPr lang="en-US" altLang="zh-TW" dirty="0" smtClean="0"/>
+          </a:p>
+          <a:p>
             <a:r>
               <a:rPr lang="zh-TW" altLang="en-US" dirty="0" smtClean="0"/>
               <a:t>任意型陣列</a:t>
@@ -4459,7 +4466,15 @@
             </a:r>
             <a:r>
               <a:rPr lang="zh-TW" altLang="en-US" dirty="0" smtClean="0"/>
-              <a:t>傳值</a:t>
+              <a:t>傳</a:t>
+            </a:r>
+            <a:r>
+              <a:rPr lang="zh-TW" altLang="en-US" dirty="0" smtClean="0"/>
+              <a:t>值  </a:t>
+            </a:r>
+            <a:r>
+              <a:rPr lang="en-US" altLang="zh-TW" dirty="0" smtClean="0"/>
+              <a:t>(call by value)</a:t>
             </a:r>
             <a:endParaRPr lang="en-US" altLang="zh-TW" dirty="0" smtClean="0"/>
           </a:p>
@@ -4471,11 +4486,15 @@
             </a:r>
             <a:r>
               <a:rPr lang="zh-TW" altLang="en-US" dirty="0" smtClean="0"/>
-              <a:t>傳址</a:t>
-            </a:r>
-            <a:r>
-              <a:rPr lang="en-US" altLang="zh-TW" dirty="0" smtClean="0"/>
-              <a:t>, </a:t>
+              <a:t>傳</a:t>
+            </a:r>
+            <a:r>
+              <a:rPr lang="zh-TW" altLang="en-US" dirty="0" smtClean="0"/>
+              <a:t>址</a:t>
+            </a:r>
+            <a:r>
+              <a:rPr lang="en-US" altLang="zh-TW" dirty="0" smtClean="0"/>
+              <a:t>(call by reference/address), </a:t>
             </a:r>
             <a:r>
               <a:rPr lang="zh-TW" altLang="en-US" dirty="0" smtClean="0"/>
@@ -4971,7 +4990,19 @@
           <a:p>
             <a:r>
               <a:rPr lang="en-US" altLang="zh-TW" dirty="0" smtClean="0"/>
-              <a:t>Function: array function</a:t>
+              <a:t>Function</a:t>
+            </a:r>
+            <a:r>
+              <a:rPr lang="en-US" altLang="zh-TW" smtClean="0"/>
+              <a:t>: </a:t>
+            </a:r>
+            <a:r>
+              <a:rPr lang="en-US" altLang="zh-TW" smtClean="0"/>
+              <a:t>arrow </a:t>
+            </a:r>
+            <a:r>
+              <a:rPr lang="en-US" altLang="zh-TW" dirty="0" smtClean="0"/>
+              <a:t>function</a:t>
             </a:r>
             <a:endParaRPr lang="zh-TW" altLang="en-US" dirty="0"/>
           </a:p>
